--- a/PPT/Academy PGH SQL.pptx
+++ b/PPT/Academy PGH SQL.pptx
@@ -17,6 +17,7 @@
     <p:sldId id="265" r:id="rId11"/>
     <p:sldId id="266" r:id="rId12"/>
     <p:sldId id="267" r:id="rId13"/>
+    <p:sldId id="268" r:id="rId14"/>
   </p:sldIdLst>
   <p:sldSz cx="12192000" cy="6858000"/>
   <p:notesSz cx="6858000" cy="9144000"/>
@@ -337,7 +338,7 @@
             <a:fld id="{B61BEF0D-F0BB-DE4B-95CE-6DB70DBA9567}" type="datetimeFigureOut">
               <a:rPr lang="en-US" dirty="0"/>
               <a:pPr/>
-              <a:t>5/9/2018</a:t>
+              <a:t>5/11/2018</a:t>
             </a:fld>
             <a:endParaRPr lang="en-US" dirty="0"/>
           </a:p>
@@ -625,7 +626,7 @@
             <a:fld id="{B61BEF0D-F0BB-DE4B-95CE-6DB70DBA9567}" type="datetimeFigureOut">
               <a:rPr lang="en-US" dirty="0"/>
               <a:pPr/>
-              <a:t>5/9/2018</a:t>
+              <a:t>5/11/2018</a:t>
             </a:fld>
             <a:endParaRPr lang="en-US" dirty="0"/>
           </a:p>
@@ -881,7 +882,7 @@
             <a:fld id="{B61BEF0D-F0BB-DE4B-95CE-6DB70DBA9567}" type="datetimeFigureOut">
               <a:rPr lang="en-US" dirty="0"/>
               <a:pPr/>
-              <a:t>5/9/2018</a:t>
+              <a:t>5/11/2018</a:t>
             </a:fld>
             <a:endParaRPr lang="en-US" dirty="0"/>
           </a:p>
@@ -1347,7 +1348,7 @@
             <a:fld id="{B61BEF0D-F0BB-DE4B-95CE-6DB70DBA9567}" type="datetimeFigureOut">
               <a:rPr lang="en-US" dirty="0"/>
               <a:pPr/>
-              <a:t>5/9/2018</a:t>
+              <a:t>5/11/2018</a:t>
             </a:fld>
             <a:endParaRPr lang="en-US" dirty="0"/>
           </a:p>
@@ -1524,7 +1525,7 @@
             <a:fld id="{B61BEF0D-F0BB-DE4B-95CE-6DB70DBA9567}" type="datetimeFigureOut">
               <a:rPr lang="en-US" dirty="0"/>
               <a:pPr/>
-              <a:t>5/9/2018</a:t>
+              <a:t>5/11/2018</a:t>
             </a:fld>
             <a:endParaRPr lang="en-US" dirty="0"/>
           </a:p>
@@ -2097,7 +2098,7 @@
             <a:fld id="{B61BEF0D-F0BB-DE4B-95CE-6DB70DBA9567}" type="datetimeFigureOut">
               <a:rPr lang="en-US" dirty="0"/>
               <a:pPr/>
-              <a:t>5/9/2018</a:t>
+              <a:t>5/11/2018</a:t>
             </a:fld>
             <a:endParaRPr lang="en-US" dirty="0"/>
           </a:p>
@@ -2426,7 +2427,7 @@
             <a:fld id="{B61BEF0D-F0BB-DE4B-95CE-6DB70DBA9567}" type="datetimeFigureOut">
               <a:rPr lang="en-US" dirty="0"/>
               <a:pPr/>
-              <a:t>5/9/2018</a:t>
+              <a:t>5/11/2018</a:t>
             </a:fld>
             <a:endParaRPr lang="en-US" dirty="0"/>
           </a:p>
@@ -2598,7 +2599,7 @@
             <a:fld id="{B61BEF0D-F0BB-DE4B-95CE-6DB70DBA9567}" type="datetimeFigureOut">
               <a:rPr lang="en-US" dirty="0"/>
               <a:pPr/>
-              <a:t>5/9/2018</a:t>
+              <a:t>5/11/2018</a:t>
             </a:fld>
             <a:endParaRPr lang="en-US" dirty="0"/>
           </a:p>
@@ -2775,7 +2776,7 @@
             <a:fld id="{B61BEF0D-F0BB-DE4B-95CE-6DB70DBA9567}" type="datetimeFigureOut">
               <a:rPr lang="en-US" dirty="0"/>
               <a:pPr/>
-              <a:t>5/9/2018</a:t>
+              <a:t>5/11/2018</a:t>
             </a:fld>
             <a:endParaRPr lang="en-US" dirty="0"/>
           </a:p>
@@ -2942,7 +2943,7 @@
             <a:fld id="{B61BEF0D-F0BB-DE4B-95CE-6DB70DBA9567}" type="datetimeFigureOut">
               <a:rPr lang="en-US" dirty="0"/>
               <a:pPr/>
-              <a:t>5/9/2018</a:t>
+              <a:t>5/11/2018</a:t>
             </a:fld>
             <a:endParaRPr lang="en-US" dirty="0"/>
           </a:p>
@@ -3196,7 +3197,7 @@
             <a:fld id="{B61BEF0D-F0BB-DE4B-95CE-6DB70DBA9567}" type="datetimeFigureOut">
               <a:rPr lang="en-US" dirty="0"/>
               <a:pPr/>
-              <a:t>5/9/2018</a:t>
+              <a:t>5/11/2018</a:t>
             </a:fld>
             <a:endParaRPr lang="en-US" dirty="0"/>
           </a:p>
@@ -3485,7 +3486,7 @@
             <a:fld id="{B61BEF0D-F0BB-DE4B-95CE-6DB70DBA9567}" type="datetimeFigureOut">
               <a:rPr lang="en-US" dirty="0"/>
               <a:pPr/>
-              <a:t>5/9/2018</a:t>
+              <a:t>5/11/2018</a:t>
             </a:fld>
             <a:endParaRPr lang="en-US" dirty="0"/>
           </a:p>
@@ -3912,7 +3913,7 @@
             <a:fld id="{B61BEF0D-F0BB-DE4B-95CE-6DB70DBA9567}" type="datetimeFigureOut">
               <a:rPr lang="en-US" dirty="0"/>
               <a:pPr/>
-              <a:t>5/9/2018</a:t>
+              <a:t>5/11/2018</a:t>
             </a:fld>
             <a:endParaRPr lang="en-US" dirty="0"/>
           </a:p>
@@ -4027,7 +4028,7 @@
             <a:fld id="{B61BEF0D-F0BB-DE4B-95CE-6DB70DBA9567}" type="datetimeFigureOut">
               <a:rPr lang="en-US" dirty="0"/>
               <a:pPr/>
-              <a:t>5/9/2018</a:t>
+              <a:t>5/11/2018</a:t>
             </a:fld>
             <a:endParaRPr lang="en-US" dirty="0"/>
           </a:p>
@@ -4119,7 +4120,7 @@
             <a:fld id="{B61BEF0D-F0BB-DE4B-95CE-6DB70DBA9567}" type="datetimeFigureOut">
               <a:rPr lang="en-US" dirty="0"/>
               <a:pPr/>
-              <a:t>5/9/2018</a:t>
+              <a:t>5/11/2018</a:t>
             </a:fld>
             <a:endParaRPr lang="en-US" dirty="0"/>
           </a:p>
@@ -4399,7 +4400,7 @@
             <a:fld id="{B61BEF0D-F0BB-DE4B-95CE-6DB70DBA9567}" type="datetimeFigureOut">
               <a:rPr lang="en-US" dirty="0"/>
               <a:pPr/>
-              <a:t>5/9/2018</a:t>
+              <a:t>5/11/2018</a:t>
             </a:fld>
             <a:endParaRPr lang="en-US" dirty="0"/>
           </a:p>
@@ -4687,7 +4688,7 @@
             <a:fld id="{B61BEF0D-F0BB-DE4B-95CE-6DB70DBA9567}" type="datetimeFigureOut">
               <a:rPr lang="en-US" dirty="0"/>
               <a:pPr/>
-              <a:t>5/9/2018</a:t>
+              <a:t>5/11/2018</a:t>
             </a:fld>
             <a:endParaRPr lang="en-US" dirty="0"/>
           </a:p>
@@ -4915,7 +4916,7 @@
             <a:fld id="{B61BEF0D-F0BB-DE4B-95CE-6DB70DBA9567}" type="datetimeFigureOut">
               <a:rPr lang="en-US" dirty="0"/>
               <a:pPr/>
-              <a:t>5/9/2018</a:t>
+              <a:t>5/11/2018</a:t>
             </a:fld>
             <a:endParaRPr lang="en-US" dirty="0"/>
           </a:p>
@@ -6142,6 +6143,154 @@
 </p:sld>
 </file>
 
+<file path=ppt/slides/slide13.xml><?xml version="1.0" encoding="utf-8"?>
+<p:sld xmlns:a="http://schemas.openxmlformats.org/drawingml/2006/main" xmlns:r="http://schemas.openxmlformats.org/officeDocument/2006/relationships" xmlns:p="http://schemas.openxmlformats.org/presentationml/2006/main">
+  <p:cSld>
+    <p:spTree>
+      <p:nvGrpSpPr>
+        <p:cNvPr id="1" name=""/>
+        <p:cNvGrpSpPr/>
+        <p:nvPr/>
+      </p:nvGrpSpPr>
+      <p:grpSpPr>
+        <a:xfrm>
+          <a:off x="0" y="0"/>
+          <a:ext cx="0" cy="0"/>
+          <a:chOff x="0" y="0"/>
+          <a:chExt cx="0" cy="0"/>
+        </a:xfrm>
+      </p:grpSpPr>
+      <p:sp>
+        <p:nvSpPr>
+          <p:cNvPr id="2" name="Title 1">
+            <a:extLst>
+              <a:ext uri="{FF2B5EF4-FFF2-40B4-BE49-F238E27FC236}">
+                <a16:creationId xmlns:a16="http://schemas.microsoft.com/office/drawing/2014/main" id="{3CDCB0CE-83AB-4017-AA08-71B77A97BD1A}"/>
+              </a:ext>
+            </a:extLst>
+          </p:cNvPr>
+          <p:cNvSpPr>
+            <a:spLocks noGrp="1"/>
+          </p:cNvSpPr>
+          <p:nvPr>
+            <p:ph type="title"/>
+          </p:nvPr>
+        </p:nvSpPr>
+        <p:spPr/>
+        <p:txBody>
+          <a:bodyPr/>
+          <a:lstStyle/>
+          <a:p>
+            <a:r>
+              <a:rPr lang="en-US" dirty="0"/>
+              <a:t>Foreign Key constraint</a:t>
+            </a:r>
+          </a:p>
+        </p:txBody>
+      </p:sp>
+      <p:sp>
+        <p:nvSpPr>
+          <p:cNvPr id="3" name="Content Placeholder 2">
+            <a:extLst>
+              <a:ext uri="{FF2B5EF4-FFF2-40B4-BE49-F238E27FC236}">
+                <a16:creationId xmlns:a16="http://schemas.microsoft.com/office/drawing/2014/main" id="{EED287AC-36EE-477D-B863-E985E3DDE03F}"/>
+              </a:ext>
+            </a:extLst>
+          </p:cNvPr>
+          <p:cNvSpPr>
+            <a:spLocks noGrp="1"/>
+          </p:cNvSpPr>
+          <p:nvPr>
+            <p:ph idx="1"/>
+          </p:nvPr>
+        </p:nvSpPr>
+        <p:spPr/>
+        <p:txBody>
+          <a:bodyPr>
+            <a:normAutofit lnSpcReduction="10000"/>
+          </a:bodyPr>
+          <a:lstStyle/>
+          <a:p>
+            <a:r>
+              <a:rPr lang="en-US" dirty="0"/>
+              <a:t>A foreign key is used to link to </a:t>
+            </a:r>
+            <a:r>
+              <a:rPr lang="en-US"/>
+              <a:t>tables together.</a:t>
+            </a:r>
+            <a:endParaRPr lang="en-US" dirty="0"/>
+          </a:p>
+          <a:p>
+            <a:r>
+              <a:rPr lang="en-US" dirty="0"/>
+              <a:t>A foreign key is a field in one table that refers to the primary key in another table.</a:t>
+            </a:r>
+          </a:p>
+          <a:p>
+            <a:r>
+              <a:rPr lang="en-US" dirty="0"/>
+              <a:t>Foreign keys are added to the table definition.</a:t>
+            </a:r>
+          </a:p>
+          <a:p>
+            <a:r>
+              <a:rPr lang="en-US" dirty="0"/>
+              <a:t>The table containing the foreign key is called the child table, and the table containing the candidate key is called the referenced or parent table.</a:t>
+            </a:r>
+          </a:p>
+          <a:p>
+            <a:r>
+              <a:rPr lang="en-US" dirty="0"/>
+              <a:t>Example</a:t>
+            </a:r>
+          </a:p>
+          <a:p>
+            <a:pPr lvl="1"/>
+            <a:r>
+              <a:rPr lang="en-US" dirty="0"/>
+              <a:t>CONSTRAINT </a:t>
+            </a:r>
+            <a:r>
+              <a:rPr lang="en-US" dirty="0" err="1"/>
+              <a:t>NamedForeignKey</a:t>
+            </a:r>
+            <a:r>
+              <a:rPr lang="en-US" dirty="0"/>
+              <a:t> FOREIGN KEY (Column) REFERENCES </a:t>
+            </a:r>
+            <a:r>
+              <a:rPr lang="en-US" dirty="0" err="1"/>
+              <a:t>ParentTable</a:t>
+            </a:r>
+            <a:r>
+              <a:rPr lang="en-US" dirty="0"/>
+              <a:t>(</a:t>
+            </a:r>
+            <a:r>
+              <a:rPr lang="en-US" dirty="0" err="1"/>
+              <a:t>ParentColumn</a:t>
+            </a:r>
+            <a:r>
+              <a:rPr lang="en-US" dirty="0"/>
+              <a:t>)</a:t>
+            </a:r>
+          </a:p>
+        </p:txBody>
+      </p:sp>
+    </p:spTree>
+    <p:extLst>
+      <p:ext uri="{BB962C8B-B14F-4D97-AF65-F5344CB8AC3E}">
+        <p14:creationId xmlns:p14="http://schemas.microsoft.com/office/powerpoint/2010/main" val="1100999076"/>
+      </p:ext>
+    </p:extLst>
+  </p:cSld>
+  <p:clrMapOvr>
+    <a:masterClrMapping/>
+  </p:clrMapOvr>
+</p:sld>
+</file>
+
 <file path=ppt/slides/slide2.xml><?xml version="1.0" encoding="utf-8"?>
 <p:sld xmlns:a="http://schemas.openxmlformats.org/drawingml/2006/main" xmlns:r="http://schemas.openxmlformats.org/officeDocument/2006/relationships" xmlns:p="http://schemas.openxmlformats.org/presentationml/2006/main">
   <p:cSld>
